--- a/Doc/Eclipse설치.pptx
+++ b/Doc/Eclipse설치.pptx
@@ -14,12 +14,12 @@
     <p:sldId id="261" r:id="rId8"/>
     <p:sldId id="262" r:id="rId9"/>
     <p:sldId id="263" r:id="rId10"/>
-    <p:sldId id="264" r:id="rId11"/>
-    <p:sldId id="265" r:id="rId12"/>
-    <p:sldId id="266" r:id="rId13"/>
-    <p:sldId id="267" r:id="rId14"/>
-    <p:sldId id="272" r:id="rId15"/>
-    <p:sldId id="270" r:id="rId16"/>
+    <p:sldId id="272" r:id="rId11"/>
+    <p:sldId id="273" r:id="rId12"/>
+    <p:sldId id="264" r:id="rId13"/>
+    <p:sldId id="265" r:id="rId14"/>
+    <p:sldId id="266" r:id="rId15"/>
+    <p:sldId id="267" r:id="rId16"/>
     <p:sldId id="271" r:id="rId17"/>
   </p:sldIdLst>
   <p:sldSz cx="12192000" cy="6858000"/>
@@ -405,7 +405,7 @@
           <a:p>
             <a:fld id="{8745AD7C-AECC-4943-AD1F-690FAB9034AD}" type="datetimeFigureOut">
               <a:rPr lang="ko-KR" altLang="en-US" smtClean="0"/>
-              <a:t>2023-05-15</a:t>
+              <a:t>2023-05-16</a:t>
             </a:fld>
             <a:endParaRPr lang="ko-KR" altLang="en-US"/>
           </a:p>
@@ -585,7 +585,7 @@
           <a:p>
             <a:fld id="{8745AD7C-AECC-4943-AD1F-690FAB9034AD}" type="datetimeFigureOut">
               <a:rPr lang="ko-KR" altLang="en-US" smtClean="0"/>
-              <a:t>2023-05-15</a:t>
+              <a:t>2023-05-16</a:t>
             </a:fld>
             <a:endParaRPr lang="ko-KR" altLang="en-US"/>
           </a:p>
@@ -785,7 +785,7 @@
           <a:p>
             <a:fld id="{8745AD7C-AECC-4943-AD1F-690FAB9034AD}" type="datetimeFigureOut">
               <a:rPr lang="ko-KR" altLang="en-US" smtClean="0"/>
-              <a:t>2023-05-15</a:t>
+              <a:t>2023-05-16</a:t>
             </a:fld>
             <a:endParaRPr lang="ko-KR" altLang="en-US"/>
           </a:p>
@@ -1031,7 +1031,7 @@
           <a:p>
             <a:fld id="{8745AD7C-AECC-4943-AD1F-690FAB9034AD}" type="datetimeFigureOut">
               <a:rPr lang="ko-KR" altLang="en-US" smtClean="0"/>
-              <a:t>2023-05-15</a:t>
+              <a:t>2023-05-16</a:t>
             </a:fld>
             <a:endParaRPr lang="ko-KR" altLang="en-US"/>
           </a:p>
@@ -1263,7 +1263,7 @@
           <a:p>
             <a:fld id="{8745AD7C-AECC-4943-AD1F-690FAB9034AD}" type="datetimeFigureOut">
               <a:rPr lang="ko-KR" altLang="en-US" smtClean="0"/>
-              <a:t>2023-05-15</a:t>
+              <a:t>2023-05-16</a:t>
             </a:fld>
             <a:endParaRPr lang="ko-KR" altLang="en-US"/>
           </a:p>
@@ -1630,7 +1630,7 @@
           <a:p>
             <a:fld id="{8745AD7C-AECC-4943-AD1F-690FAB9034AD}" type="datetimeFigureOut">
               <a:rPr lang="ko-KR" altLang="en-US" smtClean="0"/>
-              <a:t>2023-05-15</a:t>
+              <a:t>2023-05-16</a:t>
             </a:fld>
             <a:endParaRPr lang="ko-KR" altLang="en-US"/>
           </a:p>
@@ -1748,7 +1748,7 @@
           <a:p>
             <a:fld id="{8745AD7C-AECC-4943-AD1F-690FAB9034AD}" type="datetimeFigureOut">
               <a:rPr lang="ko-KR" altLang="en-US" smtClean="0"/>
-              <a:t>2023-05-15</a:t>
+              <a:t>2023-05-16</a:t>
             </a:fld>
             <a:endParaRPr lang="ko-KR" altLang="en-US"/>
           </a:p>
@@ -1843,7 +1843,7 @@
           <a:p>
             <a:fld id="{8745AD7C-AECC-4943-AD1F-690FAB9034AD}" type="datetimeFigureOut">
               <a:rPr lang="ko-KR" altLang="en-US" smtClean="0"/>
-              <a:t>2023-05-15</a:t>
+              <a:t>2023-05-16</a:t>
             </a:fld>
             <a:endParaRPr lang="ko-KR" altLang="en-US"/>
           </a:p>
@@ -2120,7 +2120,7 @@
           <a:p>
             <a:fld id="{8745AD7C-AECC-4943-AD1F-690FAB9034AD}" type="datetimeFigureOut">
               <a:rPr lang="ko-KR" altLang="en-US" smtClean="0"/>
-              <a:t>2023-05-15</a:t>
+              <a:t>2023-05-16</a:t>
             </a:fld>
             <a:endParaRPr lang="ko-KR" altLang="en-US"/>
           </a:p>
@@ -2373,7 +2373,7 @@
           <a:p>
             <a:fld id="{8745AD7C-AECC-4943-AD1F-690FAB9034AD}" type="datetimeFigureOut">
               <a:rPr lang="ko-KR" altLang="en-US" smtClean="0"/>
-              <a:t>2023-05-15</a:t>
+              <a:t>2023-05-16</a:t>
             </a:fld>
             <a:endParaRPr lang="ko-KR" altLang="en-US"/>
           </a:p>
@@ -2638,7 +2638,7 @@
           <a:p>
             <a:fld id="{8745AD7C-AECC-4943-AD1F-690FAB9034AD}" type="datetimeFigureOut">
               <a:rPr lang="ko-KR" altLang="en-US" smtClean="0"/>
-              <a:t>2023-05-15</a:t>
+              <a:t>2023-05-16</a:t>
             </a:fld>
             <a:endParaRPr lang="ko-KR" altLang="en-US"/>
           </a:p>
@@ -3851,6 +3851,842 @@
           <a:lstStyle/>
           <a:p>
             <a:r>
+              <a:rPr lang="en-US" altLang="ko-KR" dirty="0"/>
+              <a:t>Eclipse </a:t>
+            </a:r>
+            <a:r>
+              <a:rPr lang="ko-KR" altLang="en-US" dirty="0"/>
+              <a:t>설정</a:t>
+            </a:r>
+            <a:r>
+              <a:rPr lang="en-US" altLang="ko-KR" dirty="0" smtClean="0"/>
+              <a:t>(4)</a:t>
+            </a:r>
+            <a:endParaRPr lang="ko-KR" altLang="en-US" dirty="0"/>
+          </a:p>
+        </p:txBody>
+      </p:sp>
+      <p:sp>
+        <p:nvSpPr>
+          <p:cNvPr id="3" name="내용 개체 틀 2"/>
+          <p:cNvSpPr>
+            <a:spLocks noGrp="1"/>
+          </p:cNvSpPr>
+          <p:nvPr>
+            <p:ph sz="half" idx="1"/>
+          </p:nvPr>
+        </p:nvSpPr>
+        <p:spPr/>
+        <p:txBody>
+          <a:bodyPr/>
+          <a:lstStyle/>
+          <a:p>
+            <a:r>
+              <a:rPr lang="en-US" altLang="ko-KR" dirty="0" err="1"/>
+              <a:t>Git</a:t>
+            </a:r>
+            <a:r>
+              <a:rPr lang="en-US" altLang="ko-KR" dirty="0"/>
+              <a:t> Perspective </a:t>
+            </a:r>
+            <a:r>
+              <a:rPr lang="ko-KR" altLang="en-US" dirty="0"/>
+              <a:t>추가 </a:t>
+            </a:r>
+            <a:endParaRPr lang="en-US" altLang="ko-KR" dirty="0" smtClean="0"/>
+          </a:p>
+          <a:p>
+            <a:pPr lvl="1"/>
+            <a:r>
+              <a:rPr lang="ko-KR" altLang="en-US" dirty="0" smtClean="0"/>
+              <a:t>우측상단의 </a:t>
+            </a:r>
+            <a:r>
+              <a:rPr lang="en-US" altLang="ko-KR" dirty="0" smtClean="0"/>
+              <a:t>Open Perspective </a:t>
+            </a:r>
+            <a:r>
+              <a:rPr lang="ko-KR" altLang="en-US" dirty="0" smtClean="0"/>
+              <a:t>아이콘 클릭</a:t>
+            </a:r>
+            <a:endParaRPr lang="en-US" altLang="ko-KR" dirty="0" smtClean="0"/>
+          </a:p>
+          <a:p>
+            <a:pPr lvl="1"/>
+            <a:endParaRPr lang="en-US" altLang="ko-KR" dirty="0"/>
+          </a:p>
+          <a:p>
+            <a:pPr lvl="1"/>
+            <a:endParaRPr lang="en-US" altLang="ko-KR" dirty="0" smtClean="0"/>
+          </a:p>
+          <a:p>
+            <a:pPr lvl="1"/>
+            <a:endParaRPr lang="en-US" altLang="ko-KR" dirty="0"/>
+          </a:p>
+          <a:p>
+            <a:pPr lvl="1"/>
+            <a:r>
+              <a:rPr lang="en-US" altLang="ko-KR" dirty="0" err="1" smtClean="0"/>
+              <a:t>Git</a:t>
+            </a:r>
+            <a:r>
+              <a:rPr lang="en-US" altLang="ko-KR" dirty="0" smtClean="0"/>
+              <a:t> </a:t>
+            </a:r>
+            <a:r>
+              <a:rPr lang="ko-KR" altLang="en-US" dirty="0" smtClean="0"/>
+              <a:t>선택 후 </a:t>
+            </a:r>
+            <a:r>
+              <a:rPr lang="en-US" altLang="ko-KR" dirty="0" smtClean="0"/>
+              <a:t>Open</a:t>
+            </a:r>
+          </a:p>
+          <a:p>
+            <a:pPr lvl="1"/>
+            <a:endParaRPr lang="en-US" altLang="ko-KR" dirty="0"/>
+          </a:p>
+          <a:p>
+            <a:pPr lvl="1"/>
+            <a:endParaRPr lang="en-US" altLang="ko-KR" dirty="0" smtClean="0"/>
+          </a:p>
+          <a:p>
+            <a:pPr lvl="1"/>
+            <a:endParaRPr lang="en-US" altLang="ko-KR" dirty="0"/>
+          </a:p>
+          <a:p>
+            <a:pPr lvl="1"/>
+            <a:endParaRPr lang="en-US" altLang="ko-KR" dirty="0" smtClean="0"/>
+          </a:p>
+          <a:p>
+            <a:pPr lvl="1"/>
+            <a:endParaRPr lang="en-US" altLang="ko-KR" dirty="0"/>
+          </a:p>
+          <a:p>
+            <a:pPr lvl="1"/>
+            <a:endParaRPr lang="en-US" altLang="ko-KR" dirty="0" smtClean="0"/>
+          </a:p>
+          <a:p>
+            <a:pPr lvl="1"/>
+            <a:endParaRPr lang="en-US" altLang="ko-KR" dirty="0"/>
+          </a:p>
+          <a:p>
+            <a:pPr lvl="1"/>
+            <a:r>
+              <a:rPr lang="en-US" altLang="ko-KR" dirty="0"/>
+              <a:t>Perspective </a:t>
+            </a:r>
+            <a:r>
+              <a:rPr lang="ko-KR" altLang="en-US" dirty="0"/>
+              <a:t>추가 </a:t>
+            </a:r>
+            <a:r>
+              <a:rPr lang="ko-KR" altLang="en-US" dirty="0" smtClean="0"/>
+              <a:t>확인</a:t>
+            </a:r>
+            <a:endParaRPr lang="en-US" altLang="ko-KR" dirty="0"/>
+          </a:p>
+          <a:p>
+            <a:pPr lvl="1"/>
+            <a:endParaRPr lang="en-US" altLang="ko-KR" dirty="0" smtClean="0"/>
+          </a:p>
+          <a:p>
+            <a:pPr marL="914400" lvl="2" indent="0">
+              <a:buNone/>
+            </a:pPr>
+            <a:endParaRPr lang="ko-KR" altLang="en-US" dirty="0"/>
+          </a:p>
+        </p:txBody>
+      </p:sp>
+      <p:pic>
+        <p:nvPicPr>
+          <p:cNvPr id="8" name="내용 개체 틀 7"/>
+          <p:cNvPicPr>
+            <a:picLocks noGrp="1" noChangeAspect="1"/>
+          </p:cNvPicPr>
+          <p:nvPr>
+            <p:ph sz="half" idx="2"/>
+          </p:nvPr>
+        </p:nvPicPr>
+        <p:blipFill>
+          <a:blip r:embed="rId2"/>
+          <a:stretch>
+            <a:fillRect/>
+          </a:stretch>
+        </p:blipFill>
+        <p:spPr>
+          <a:xfrm>
+            <a:off x="6172200" y="1606303"/>
+            <a:ext cx="5181600" cy="3904156"/>
+          </a:xfrm>
+          <a:prstGeom prst="rect">
+            <a:avLst/>
+          </a:prstGeom>
+        </p:spPr>
+      </p:pic>
+      <p:pic>
+        <p:nvPicPr>
+          <p:cNvPr id="5" name="그림 4"/>
+          <p:cNvPicPr>
+            <a:picLocks noChangeAspect="1"/>
+          </p:cNvPicPr>
+          <p:nvPr/>
+        </p:nvPicPr>
+        <p:blipFill>
+          <a:blip r:embed="rId3"/>
+          <a:stretch>
+            <a:fillRect/>
+          </a:stretch>
+        </p:blipFill>
+        <p:spPr>
+          <a:xfrm>
+            <a:off x="1893049" y="1507735"/>
+            <a:ext cx="1228725" cy="771525"/>
+          </a:xfrm>
+          <a:prstGeom prst="rect">
+            <a:avLst/>
+          </a:prstGeom>
+        </p:spPr>
+      </p:pic>
+      <p:sp>
+        <p:nvSpPr>
+          <p:cNvPr id="6" name="직사각형 5"/>
+          <p:cNvSpPr/>
+          <p:nvPr/>
+        </p:nvSpPr>
+        <p:spPr>
+          <a:xfrm>
+            <a:off x="2507411" y="1981390"/>
+            <a:ext cx="313427" cy="297870"/>
+          </a:xfrm>
+          <a:prstGeom prst="rect">
+            <a:avLst/>
+          </a:prstGeom>
+          <a:noFill/>
+          <a:ln w="38100">
+            <a:solidFill>
+              <a:srgbClr val="FF0000"/>
+            </a:solidFill>
+          </a:ln>
+        </p:spPr>
+        <p:style>
+          <a:lnRef idx="2">
+            <a:schemeClr val="accent1">
+              <a:shade val="50000"/>
+            </a:schemeClr>
+          </a:lnRef>
+          <a:fillRef idx="1">
+            <a:schemeClr val="accent1"/>
+          </a:fillRef>
+          <a:effectRef idx="0">
+            <a:schemeClr val="accent1"/>
+          </a:effectRef>
+          <a:fontRef idx="minor">
+            <a:schemeClr val="lt1"/>
+          </a:fontRef>
+        </p:style>
+        <p:txBody>
+          <a:bodyPr rot="0" spcFirstLastPara="0" vertOverflow="overflow" horzOverflow="overflow" vert="horz" wrap="square" lIns="91440" tIns="45720" rIns="91440" bIns="45720" numCol="1" spcCol="0" rtlCol="0" fromWordArt="0" anchor="ctr" anchorCtr="0" forceAA="0" compatLnSpc="1">
+            <a:prstTxWarp prst="textNoShape">
+              <a:avLst/>
+            </a:prstTxWarp>
+            <a:noAutofit/>
+          </a:bodyPr>
+          <a:lstStyle/>
+          <a:p>
+            <a:pPr algn="ctr"/>
+            <a:endParaRPr lang="ko-KR" altLang="en-US"/>
+          </a:p>
+        </p:txBody>
+      </p:sp>
+      <p:pic>
+        <p:nvPicPr>
+          <p:cNvPr id="7" name="그림 6"/>
+          <p:cNvPicPr>
+            <a:picLocks noChangeAspect="1"/>
+          </p:cNvPicPr>
+          <p:nvPr/>
+        </p:nvPicPr>
+        <p:blipFill>
+          <a:blip r:embed="rId4"/>
+          <a:stretch>
+            <a:fillRect/>
+          </a:stretch>
+        </p:blipFill>
+        <p:spPr>
+          <a:xfrm>
+            <a:off x="1819006" y="2648309"/>
+            <a:ext cx="1502164" cy="1972407"/>
+          </a:xfrm>
+          <a:prstGeom prst="rect">
+            <a:avLst/>
+          </a:prstGeom>
+        </p:spPr>
+      </p:pic>
+      <p:sp>
+        <p:nvSpPr>
+          <p:cNvPr id="9" name="직사각형 8"/>
+          <p:cNvSpPr/>
+          <p:nvPr/>
+        </p:nvSpPr>
+        <p:spPr>
+          <a:xfrm>
+            <a:off x="11153955" y="1832455"/>
+            <a:ext cx="240521" cy="237885"/>
+          </a:xfrm>
+          <a:prstGeom prst="rect">
+            <a:avLst/>
+          </a:prstGeom>
+          <a:noFill/>
+          <a:ln w="38100">
+            <a:solidFill>
+              <a:srgbClr val="FF0000"/>
+            </a:solidFill>
+          </a:ln>
+        </p:spPr>
+        <p:style>
+          <a:lnRef idx="2">
+            <a:schemeClr val="accent1">
+              <a:shade val="50000"/>
+            </a:schemeClr>
+          </a:lnRef>
+          <a:fillRef idx="1">
+            <a:schemeClr val="accent1"/>
+          </a:fillRef>
+          <a:effectRef idx="0">
+            <a:schemeClr val="accent1"/>
+          </a:effectRef>
+          <a:fontRef idx="minor">
+            <a:schemeClr val="lt1"/>
+          </a:fontRef>
+        </p:style>
+        <p:txBody>
+          <a:bodyPr rot="0" spcFirstLastPara="0" vertOverflow="overflow" horzOverflow="overflow" vert="horz" wrap="square" lIns="91440" tIns="45720" rIns="91440" bIns="45720" numCol="1" spcCol="0" rtlCol="0" fromWordArt="0" anchor="ctr" anchorCtr="0" forceAA="0" compatLnSpc="1">
+            <a:prstTxWarp prst="textNoShape">
+              <a:avLst/>
+            </a:prstTxWarp>
+            <a:noAutofit/>
+          </a:bodyPr>
+          <a:lstStyle/>
+          <a:p>
+            <a:pPr algn="ctr"/>
+            <a:endParaRPr lang="ko-KR" altLang="en-US"/>
+          </a:p>
+        </p:txBody>
+      </p:sp>
+      <p:sp>
+        <p:nvSpPr>
+          <p:cNvPr id="10" name="직사각형 9"/>
+          <p:cNvSpPr/>
+          <p:nvPr/>
+        </p:nvSpPr>
+        <p:spPr>
+          <a:xfrm>
+            <a:off x="6167438" y="1997843"/>
+            <a:ext cx="1553204" cy="3393666"/>
+          </a:xfrm>
+          <a:prstGeom prst="rect">
+            <a:avLst/>
+          </a:prstGeom>
+          <a:noFill/>
+          <a:ln w="38100">
+            <a:solidFill>
+              <a:srgbClr val="FF0000"/>
+            </a:solidFill>
+          </a:ln>
+        </p:spPr>
+        <p:style>
+          <a:lnRef idx="2">
+            <a:schemeClr val="accent1">
+              <a:shade val="50000"/>
+            </a:schemeClr>
+          </a:lnRef>
+          <a:fillRef idx="1">
+            <a:schemeClr val="accent1"/>
+          </a:fillRef>
+          <a:effectRef idx="0">
+            <a:schemeClr val="accent1"/>
+          </a:effectRef>
+          <a:fontRef idx="minor">
+            <a:schemeClr val="lt1"/>
+          </a:fontRef>
+        </p:style>
+        <p:txBody>
+          <a:bodyPr rot="0" spcFirstLastPara="0" vertOverflow="overflow" horzOverflow="overflow" vert="horz" wrap="square" lIns="91440" tIns="45720" rIns="91440" bIns="45720" numCol="1" spcCol="0" rtlCol="0" fromWordArt="0" anchor="ctr" anchorCtr="0" forceAA="0" compatLnSpc="1">
+            <a:prstTxWarp prst="textNoShape">
+              <a:avLst/>
+            </a:prstTxWarp>
+            <a:noAutofit/>
+          </a:bodyPr>
+          <a:lstStyle/>
+          <a:p>
+            <a:pPr algn="ctr"/>
+            <a:endParaRPr lang="ko-KR" altLang="en-US"/>
+          </a:p>
+        </p:txBody>
+      </p:sp>
+      <p:sp>
+        <p:nvSpPr>
+          <p:cNvPr id="13" name="직사각형 12"/>
+          <p:cNvSpPr/>
+          <p:nvPr/>
+        </p:nvSpPr>
+        <p:spPr>
+          <a:xfrm>
+            <a:off x="7731933" y="3694676"/>
+            <a:ext cx="3621867" cy="1696833"/>
+          </a:xfrm>
+          <a:prstGeom prst="rect">
+            <a:avLst/>
+          </a:prstGeom>
+          <a:noFill/>
+          <a:ln w="38100">
+            <a:solidFill>
+              <a:srgbClr val="FF0000"/>
+            </a:solidFill>
+          </a:ln>
+        </p:spPr>
+        <p:style>
+          <a:lnRef idx="2">
+            <a:schemeClr val="accent1">
+              <a:shade val="50000"/>
+            </a:schemeClr>
+          </a:lnRef>
+          <a:fillRef idx="1">
+            <a:schemeClr val="accent1"/>
+          </a:fillRef>
+          <a:effectRef idx="0">
+            <a:schemeClr val="accent1"/>
+          </a:effectRef>
+          <a:fontRef idx="minor">
+            <a:schemeClr val="lt1"/>
+          </a:fontRef>
+        </p:style>
+        <p:txBody>
+          <a:bodyPr rot="0" spcFirstLastPara="0" vertOverflow="overflow" horzOverflow="overflow" vert="horz" wrap="square" lIns="91440" tIns="45720" rIns="91440" bIns="45720" numCol="1" spcCol="0" rtlCol="0" fromWordArt="0" anchor="ctr" anchorCtr="0" forceAA="0" compatLnSpc="1">
+            <a:prstTxWarp prst="textNoShape">
+              <a:avLst/>
+            </a:prstTxWarp>
+            <a:noAutofit/>
+          </a:bodyPr>
+          <a:lstStyle/>
+          <a:p>
+            <a:pPr algn="ctr"/>
+            <a:endParaRPr lang="ko-KR" altLang="en-US"/>
+          </a:p>
+        </p:txBody>
+      </p:sp>
+    </p:spTree>
+    <p:extLst>
+      <p:ext uri="{BB962C8B-B14F-4D97-AF65-F5344CB8AC3E}">
+        <p14:creationId xmlns:p14="http://schemas.microsoft.com/office/powerpoint/2010/main" val="2076972447"/>
+      </p:ext>
+    </p:extLst>
+  </p:cSld>
+  <p:clrMapOvr>
+    <a:masterClrMapping/>
+  </p:clrMapOvr>
+</p:sld>
+</file>
+
+<file path=ppt/slides/slide11.xml><?xml version="1.0" encoding="utf-8"?>
+<p:sld xmlns:a="http://schemas.openxmlformats.org/drawingml/2006/main" xmlns:r="http://schemas.openxmlformats.org/officeDocument/2006/relationships" xmlns:p="http://schemas.openxmlformats.org/presentationml/2006/main">
+  <p:cSld>
+    <p:spTree>
+      <p:nvGrpSpPr>
+        <p:cNvPr id="1" name=""/>
+        <p:cNvGrpSpPr/>
+        <p:nvPr/>
+      </p:nvGrpSpPr>
+      <p:grpSpPr>
+        <a:xfrm>
+          <a:off x="0" y="0"/>
+          <a:ext cx="0" cy="0"/>
+          <a:chOff x="0" y="0"/>
+          <a:chExt cx="0" cy="0"/>
+        </a:xfrm>
+      </p:grpSpPr>
+      <p:sp>
+        <p:nvSpPr>
+          <p:cNvPr id="2" name="제목 1"/>
+          <p:cNvSpPr>
+            <a:spLocks noGrp="1"/>
+          </p:cNvSpPr>
+          <p:nvPr>
+            <p:ph type="title"/>
+          </p:nvPr>
+        </p:nvSpPr>
+        <p:spPr/>
+        <p:txBody>
+          <a:bodyPr/>
+          <a:lstStyle/>
+          <a:p>
+            <a:r>
+              <a:rPr lang="en-US" altLang="ko-KR" dirty="0"/>
+              <a:t>Eclipse </a:t>
+            </a:r>
+            <a:r>
+              <a:rPr lang="ko-KR" altLang="en-US" dirty="0"/>
+              <a:t>설정</a:t>
+            </a:r>
+            <a:r>
+              <a:rPr lang="en-US" altLang="ko-KR" dirty="0" smtClean="0"/>
+              <a:t>(5)</a:t>
+            </a:r>
+            <a:endParaRPr lang="ko-KR" altLang="en-US" dirty="0"/>
+          </a:p>
+        </p:txBody>
+      </p:sp>
+      <p:sp>
+        <p:nvSpPr>
+          <p:cNvPr id="3" name="내용 개체 틀 2"/>
+          <p:cNvSpPr>
+            <a:spLocks noGrp="1"/>
+          </p:cNvSpPr>
+          <p:nvPr>
+            <p:ph sz="half" idx="1"/>
+          </p:nvPr>
+        </p:nvSpPr>
+        <p:spPr/>
+        <p:txBody>
+          <a:bodyPr/>
+          <a:lstStyle/>
+          <a:p>
+            <a:r>
+              <a:rPr lang="ko-KR" altLang="en-US" dirty="0"/>
+              <a:t>메모리 사용 상태 </a:t>
+            </a:r>
+            <a:r>
+              <a:rPr lang="ko-KR" altLang="en-US" dirty="0" smtClean="0"/>
+              <a:t>표시</a:t>
+            </a:r>
+            <a:endParaRPr lang="en-US" altLang="ko-KR" dirty="0" smtClean="0"/>
+          </a:p>
+          <a:p>
+            <a:pPr lvl="1"/>
+            <a:r>
+              <a:rPr lang="en-US" altLang="ko-KR" dirty="0" smtClean="0"/>
+              <a:t>Windows </a:t>
+            </a:r>
+            <a:r>
+              <a:rPr lang="en-US" altLang="ko-KR" dirty="0"/>
+              <a:t>&gt; Preferences &gt; General </a:t>
+            </a:r>
+            <a:endParaRPr lang="en-US" altLang="ko-KR" dirty="0"/>
+          </a:p>
+          <a:p>
+            <a:pPr lvl="1"/>
+            <a:r>
+              <a:rPr lang="en-US" altLang="ko-KR" dirty="0" smtClean="0"/>
+              <a:t>Show </a:t>
+            </a:r>
+            <a:r>
+              <a:rPr lang="en-US" altLang="ko-KR" dirty="0"/>
+              <a:t>Heap </a:t>
+            </a:r>
+            <a:r>
+              <a:rPr lang="en-US" altLang="ko-KR" dirty="0" smtClean="0"/>
+              <a:t>Status </a:t>
+            </a:r>
+            <a:r>
+              <a:rPr lang="ko-KR" altLang="en-US" dirty="0" smtClean="0"/>
+              <a:t>선택</a:t>
+            </a:r>
+            <a:endParaRPr lang="en-US" altLang="ko-KR" dirty="0" smtClean="0"/>
+          </a:p>
+          <a:p>
+            <a:pPr lvl="1"/>
+            <a:r>
+              <a:rPr lang="en-US" altLang="ko-KR" dirty="0" smtClean="0"/>
+              <a:t>Apply </a:t>
+            </a:r>
+            <a:r>
+              <a:rPr lang="ko-KR" altLang="en-US" dirty="0" smtClean="0"/>
+              <a:t>클릭</a:t>
+            </a:r>
+            <a:endParaRPr lang="en-US" altLang="ko-KR" dirty="0" smtClean="0"/>
+          </a:p>
+          <a:p>
+            <a:pPr lvl="1"/>
+            <a:r>
+              <a:rPr lang="en-US" altLang="ko-KR" dirty="0" smtClean="0"/>
+              <a:t>Heap Status bar </a:t>
+            </a:r>
+            <a:r>
+              <a:rPr lang="ko-KR" altLang="en-US" dirty="0" smtClean="0"/>
+              <a:t>생성</a:t>
+            </a:r>
+            <a:endParaRPr lang="en-US" altLang="ko-KR" dirty="0"/>
+          </a:p>
+          <a:p>
+            <a:pPr marL="914400" lvl="2" indent="0">
+              <a:buNone/>
+            </a:pPr>
+            <a:r>
+              <a:rPr lang="en-US" altLang="ko-KR" dirty="0" smtClean="0"/>
+              <a:t>* </a:t>
+            </a:r>
+            <a:r>
+              <a:rPr lang="ko-KR" altLang="en-US" dirty="0" smtClean="0"/>
+              <a:t>휴지통 클릭 통해 </a:t>
+            </a:r>
+            <a:r>
+              <a:rPr lang="en-US" altLang="ko-KR" dirty="0" smtClean="0"/>
+              <a:t>Heap </a:t>
+            </a:r>
+            <a:r>
+              <a:rPr lang="ko-KR" altLang="en-US" dirty="0" smtClean="0"/>
+              <a:t>정리 가능</a:t>
+            </a:r>
+            <a:endParaRPr lang="en-US" altLang="ko-KR" dirty="0" smtClean="0"/>
+          </a:p>
+        </p:txBody>
+      </p:sp>
+      <p:pic>
+        <p:nvPicPr>
+          <p:cNvPr id="5" name="내용 개체 틀 4"/>
+          <p:cNvPicPr>
+            <a:picLocks noGrp="1" noChangeAspect="1"/>
+          </p:cNvPicPr>
+          <p:nvPr>
+            <p:ph sz="half" idx="2"/>
+          </p:nvPr>
+        </p:nvPicPr>
+        <p:blipFill>
+          <a:blip r:embed="rId2"/>
+          <a:stretch>
+            <a:fillRect/>
+          </a:stretch>
+        </p:blipFill>
+        <p:spPr>
+          <a:xfrm>
+            <a:off x="6172200" y="1050419"/>
+            <a:ext cx="5181600" cy="5015925"/>
+          </a:xfrm>
+          <a:prstGeom prst="rect">
+            <a:avLst/>
+          </a:prstGeom>
+        </p:spPr>
+      </p:pic>
+      <p:sp>
+        <p:nvSpPr>
+          <p:cNvPr id="6" name="직사각형 5"/>
+          <p:cNvSpPr/>
+          <p:nvPr/>
+        </p:nvSpPr>
+        <p:spPr>
+          <a:xfrm>
+            <a:off x="7235375" y="1696719"/>
+            <a:ext cx="1088540" cy="162561"/>
+          </a:xfrm>
+          <a:prstGeom prst="rect">
+            <a:avLst/>
+          </a:prstGeom>
+          <a:noFill/>
+          <a:ln w="38100">
+            <a:solidFill>
+              <a:srgbClr val="FF0000"/>
+            </a:solidFill>
+          </a:ln>
+        </p:spPr>
+        <p:style>
+          <a:lnRef idx="2">
+            <a:schemeClr val="accent1">
+              <a:shade val="50000"/>
+            </a:schemeClr>
+          </a:lnRef>
+          <a:fillRef idx="1">
+            <a:schemeClr val="accent1"/>
+          </a:fillRef>
+          <a:effectRef idx="0">
+            <a:schemeClr val="accent1"/>
+          </a:effectRef>
+          <a:fontRef idx="minor">
+            <a:schemeClr val="lt1"/>
+          </a:fontRef>
+        </p:style>
+        <p:txBody>
+          <a:bodyPr rot="0" spcFirstLastPara="0" vertOverflow="overflow" horzOverflow="overflow" vert="horz" wrap="square" lIns="91440" tIns="45720" rIns="91440" bIns="45720" numCol="1" spcCol="0" rtlCol="0" fromWordArt="0" anchor="ctr" anchorCtr="0" forceAA="0" compatLnSpc="1">
+            <a:prstTxWarp prst="textNoShape">
+              <a:avLst/>
+            </a:prstTxWarp>
+            <a:noAutofit/>
+          </a:bodyPr>
+          <a:lstStyle/>
+          <a:p>
+            <a:pPr algn="ctr"/>
+            <a:endParaRPr lang="ko-KR" altLang="en-US"/>
+          </a:p>
+        </p:txBody>
+      </p:sp>
+      <p:sp>
+        <p:nvSpPr>
+          <p:cNvPr id="8" name="직사각형 7"/>
+          <p:cNvSpPr/>
+          <p:nvPr/>
+        </p:nvSpPr>
+        <p:spPr>
+          <a:xfrm>
+            <a:off x="10471747" y="5856625"/>
+            <a:ext cx="916978" cy="209719"/>
+          </a:xfrm>
+          <a:prstGeom prst="rect">
+            <a:avLst/>
+          </a:prstGeom>
+          <a:noFill/>
+          <a:ln w="38100">
+            <a:solidFill>
+              <a:srgbClr val="FF0000"/>
+            </a:solidFill>
+          </a:ln>
+        </p:spPr>
+        <p:style>
+          <a:lnRef idx="2">
+            <a:schemeClr val="accent1">
+              <a:shade val="50000"/>
+            </a:schemeClr>
+          </a:lnRef>
+          <a:fillRef idx="1">
+            <a:schemeClr val="accent1"/>
+          </a:fillRef>
+          <a:effectRef idx="0">
+            <a:schemeClr val="accent1"/>
+          </a:effectRef>
+          <a:fontRef idx="minor">
+            <a:schemeClr val="lt1"/>
+          </a:fontRef>
+        </p:style>
+        <p:txBody>
+          <a:bodyPr rot="0" spcFirstLastPara="0" vertOverflow="overflow" horzOverflow="overflow" vert="horz" wrap="square" lIns="91440" tIns="45720" rIns="91440" bIns="45720" numCol="1" spcCol="0" rtlCol="0" fromWordArt="0" anchor="ctr" anchorCtr="0" forceAA="0" compatLnSpc="1">
+            <a:prstTxWarp prst="textNoShape">
+              <a:avLst/>
+            </a:prstTxWarp>
+            <a:noAutofit/>
+          </a:bodyPr>
+          <a:lstStyle/>
+          <a:p>
+            <a:pPr algn="ctr"/>
+            <a:endParaRPr lang="ko-KR" altLang="en-US"/>
+          </a:p>
+        </p:txBody>
+      </p:sp>
+      <p:cxnSp>
+        <p:nvCxnSpPr>
+          <p:cNvPr id="10" name="직선 화살표 연결선 9"/>
+          <p:cNvCxnSpPr>
+            <a:stCxn id="6" idx="2"/>
+            <a:endCxn id="7" idx="0"/>
+          </p:cNvCxnSpPr>
+          <p:nvPr/>
+        </p:nvCxnSpPr>
+        <p:spPr>
+          <a:xfrm>
+            <a:off x="7779645" y="1859280"/>
+            <a:ext cx="3280138" cy="3546797"/>
+          </a:xfrm>
+          <a:prstGeom prst="straightConnector1">
+            <a:avLst/>
+          </a:prstGeom>
+          <a:ln>
+            <a:tailEnd type="triangle"/>
+          </a:ln>
+        </p:spPr>
+        <p:style>
+          <a:lnRef idx="1">
+            <a:schemeClr val="accent1"/>
+          </a:lnRef>
+          <a:fillRef idx="0">
+            <a:schemeClr val="accent1"/>
+          </a:fillRef>
+          <a:effectRef idx="0">
+            <a:schemeClr val="accent1"/>
+          </a:effectRef>
+          <a:fontRef idx="minor">
+            <a:schemeClr val="tx1"/>
+          </a:fontRef>
+        </p:style>
+      </p:cxnSp>
+      <p:cxnSp>
+        <p:nvCxnSpPr>
+          <p:cNvPr id="11" name="직선 화살표 연결선 10"/>
+          <p:cNvCxnSpPr>
+            <a:stCxn id="7" idx="2"/>
+          </p:cNvCxnSpPr>
+          <p:nvPr/>
+        </p:nvCxnSpPr>
+        <p:spPr>
+          <a:xfrm flipH="1">
+            <a:off x="10938294" y="5615796"/>
+            <a:ext cx="121489" cy="240829"/>
+          </a:xfrm>
+          <a:prstGeom prst="straightConnector1">
+            <a:avLst/>
+          </a:prstGeom>
+          <a:ln>
+            <a:tailEnd type="triangle"/>
+          </a:ln>
+        </p:spPr>
+        <p:style>
+          <a:lnRef idx="1">
+            <a:schemeClr val="accent1"/>
+          </a:lnRef>
+          <a:fillRef idx="0">
+            <a:schemeClr val="accent1"/>
+          </a:fillRef>
+          <a:effectRef idx="0">
+            <a:schemeClr val="accent1"/>
+          </a:effectRef>
+          <a:fontRef idx="minor">
+            <a:schemeClr val="tx1"/>
+          </a:fontRef>
+        </p:style>
+      </p:cxnSp>
+    </p:spTree>
+    <p:extLst>
+      <p:ext uri="{BB962C8B-B14F-4D97-AF65-F5344CB8AC3E}">
+        <p14:creationId xmlns:p14="http://schemas.microsoft.com/office/powerpoint/2010/main" val="871273705"/>
+      </p:ext>
+    </p:extLst>
+  </p:cSld>
+  <p:clrMapOvr>
+    <a:masterClrMapping/>
+  </p:clrMapOvr>
+</p:sld>
+</file>
+
+<file path=ppt/slides/slide12.xml><?xml version="1.0" encoding="utf-8"?>
+<p:sld xmlns:a="http://schemas.openxmlformats.org/drawingml/2006/main" xmlns:r="http://schemas.openxmlformats.org/officeDocument/2006/relationships" xmlns:p="http://schemas.openxmlformats.org/presentationml/2006/main">
+  <p:cSld>
+    <p:spTree>
+      <p:nvGrpSpPr>
+        <p:cNvPr id="1" name=""/>
+        <p:cNvGrpSpPr/>
+        <p:nvPr/>
+      </p:nvGrpSpPr>
+      <p:grpSpPr>
+        <a:xfrm>
+          <a:off x="0" y="0"/>
+          <a:ext cx="0" cy="0"/>
+          <a:chOff x="0" y="0"/>
+          <a:chExt cx="0" cy="0"/>
+        </a:xfrm>
+      </p:grpSpPr>
+      <p:sp>
+        <p:nvSpPr>
+          <p:cNvPr id="2" name="제목 1"/>
+          <p:cNvSpPr>
+            <a:spLocks noGrp="1"/>
+          </p:cNvSpPr>
+          <p:nvPr>
+            <p:ph type="title"/>
+          </p:nvPr>
+        </p:nvSpPr>
+        <p:spPr/>
+        <p:txBody>
+          <a:bodyPr/>
+          <a:lstStyle/>
+          <a:p>
+            <a:r>
               <a:rPr lang="en-US" altLang="ko-KR" dirty="0" smtClean="0"/>
               <a:t>STS Plugin </a:t>
             </a:r>
@@ -4154,7 +4990,7 @@
 </p:sld>
 </file>
 
-<file path=ppt/slides/slide11.xml><?xml version="1.0" encoding="utf-8"?>
+<file path=ppt/slides/slide13.xml><?xml version="1.0" encoding="utf-8"?>
 <p:sld xmlns:a="http://schemas.openxmlformats.org/drawingml/2006/main" xmlns:r="http://schemas.openxmlformats.org/officeDocument/2006/relationships" xmlns:p="http://schemas.openxmlformats.org/presentationml/2006/main">
   <p:cSld>
     <p:spTree>
@@ -4525,7 +5361,7 @@
 </p:sld>
 </file>
 
-<file path=ppt/slides/slide12.xml><?xml version="1.0" encoding="utf-8"?>
+<file path=ppt/slides/slide14.xml><?xml version="1.0" encoding="utf-8"?>
 <p:sld xmlns:a="http://schemas.openxmlformats.org/drawingml/2006/main" xmlns:r="http://schemas.openxmlformats.org/officeDocument/2006/relationships" xmlns:p="http://schemas.openxmlformats.org/presentationml/2006/main">
   <p:cSld>
     <p:spTree>
@@ -5037,7 +5873,7 @@
 </p:sld>
 </file>
 
-<file path=ppt/slides/slide13.xml><?xml version="1.0" encoding="utf-8"?>
+<file path=ppt/slides/slide15.xml><?xml version="1.0" encoding="utf-8"?>
 <p:sld xmlns:a="http://schemas.openxmlformats.org/drawingml/2006/main" xmlns:r="http://schemas.openxmlformats.org/officeDocument/2006/relationships" xmlns:p="http://schemas.openxmlformats.org/presentationml/2006/main">
   <p:cSld>
     <p:spTree>
@@ -5179,450 +6015,6 @@
 </p:sld>
 </file>
 
-<file path=ppt/slides/slide14.xml><?xml version="1.0" encoding="utf-8"?>
-<p:sld xmlns:a="http://schemas.openxmlformats.org/drawingml/2006/main" xmlns:r="http://schemas.openxmlformats.org/officeDocument/2006/relationships" xmlns:p="http://schemas.openxmlformats.org/presentationml/2006/main">
-  <p:cSld>
-    <p:spTree>
-      <p:nvGrpSpPr>
-        <p:cNvPr id="1" name=""/>
-        <p:cNvGrpSpPr/>
-        <p:nvPr/>
-      </p:nvGrpSpPr>
-      <p:grpSpPr>
-        <a:xfrm>
-          <a:off x="0" y="0"/>
-          <a:ext cx="0" cy="0"/>
-          <a:chOff x="0" y="0"/>
-          <a:chExt cx="0" cy="0"/>
-        </a:xfrm>
-      </p:grpSpPr>
-      <p:sp>
-        <p:nvSpPr>
-          <p:cNvPr id="2" name="제목 1"/>
-          <p:cNvSpPr>
-            <a:spLocks noGrp="1"/>
-          </p:cNvSpPr>
-          <p:nvPr>
-            <p:ph type="title"/>
-          </p:nvPr>
-        </p:nvSpPr>
-        <p:spPr/>
-        <p:txBody>
-          <a:bodyPr/>
-          <a:lstStyle/>
-          <a:p>
-            <a:r>
-              <a:rPr lang="en-US" altLang="ko-KR" dirty="0" err="1" smtClean="0"/>
-              <a:t>Git</a:t>
-            </a:r>
-            <a:r>
-              <a:rPr lang="en-US" altLang="ko-KR" dirty="0" smtClean="0"/>
-              <a:t> Perspective </a:t>
-            </a:r>
-            <a:r>
-              <a:rPr lang="ko-KR" altLang="en-US" dirty="0" smtClean="0"/>
-              <a:t>추가</a:t>
-            </a:r>
-            <a:endParaRPr lang="ko-KR" altLang="en-US" dirty="0"/>
-          </a:p>
-        </p:txBody>
-      </p:sp>
-      <p:sp>
-        <p:nvSpPr>
-          <p:cNvPr id="3" name="내용 개체 틀 2"/>
-          <p:cNvSpPr>
-            <a:spLocks noGrp="1"/>
-          </p:cNvSpPr>
-          <p:nvPr>
-            <p:ph sz="half" idx="1"/>
-          </p:nvPr>
-        </p:nvSpPr>
-        <p:spPr/>
-        <p:txBody>
-          <a:bodyPr/>
-          <a:lstStyle/>
-          <a:p>
-            <a:r>
-              <a:rPr lang="en-US" altLang="ko-KR" dirty="0"/>
-              <a:t>Windows &gt; </a:t>
-            </a:r>
-            <a:r>
-              <a:rPr lang="en-US" altLang="ko-KR" dirty="0" err="1" smtClean="0"/>
-              <a:t>Perapec</a:t>
-            </a:r>
-            <a:r>
-              <a:rPr lang="en-US" altLang="ko-KR" dirty="0" smtClean="0"/>
-              <a:t> </a:t>
-            </a:r>
-            <a:r>
-              <a:rPr lang="en-US" altLang="ko-KR" dirty="0"/>
-              <a:t>&gt; General &gt; Show Heap Status</a:t>
-            </a:r>
-            <a:endParaRPr lang="ko-KR" altLang="en-US" dirty="0"/>
-          </a:p>
-          <a:p>
-            <a:endParaRPr lang="ko-KR" altLang="en-US" dirty="0"/>
-          </a:p>
-        </p:txBody>
-      </p:sp>
-      <p:sp>
-        <p:nvSpPr>
-          <p:cNvPr id="4" name="내용 개체 틀 3"/>
-          <p:cNvSpPr>
-            <a:spLocks noGrp="1"/>
-          </p:cNvSpPr>
-          <p:nvPr>
-            <p:ph sz="half" idx="2"/>
-          </p:nvPr>
-        </p:nvSpPr>
-        <p:spPr/>
-        <p:txBody>
-          <a:bodyPr/>
-          <a:lstStyle/>
-          <a:p>
-            <a:endParaRPr lang="ko-KR" altLang="en-US"/>
-          </a:p>
-        </p:txBody>
-      </p:sp>
-    </p:spTree>
-    <p:extLst>
-      <p:ext uri="{BB962C8B-B14F-4D97-AF65-F5344CB8AC3E}">
-        <p14:creationId xmlns:p14="http://schemas.microsoft.com/office/powerpoint/2010/main" val="4101760783"/>
-      </p:ext>
-    </p:extLst>
-  </p:cSld>
-  <p:clrMapOvr>
-    <a:masterClrMapping/>
-  </p:clrMapOvr>
-</p:sld>
-</file>
-
-<file path=ppt/slides/slide15.xml><?xml version="1.0" encoding="utf-8"?>
-<p:sld xmlns:a="http://schemas.openxmlformats.org/drawingml/2006/main" xmlns:r="http://schemas.openxmlformats.org/officeDocument/2006/relationships" xmlns:p="http://schemas.openxmlformats.org/presentationml/2006/main">
-  <p:cSld>
-    <p:spTree>
-      <p:nvGrpSpPr>
-        <p:cNvPr id="1" name=""/>
-        <p:cNvGrpSpPr/>
-        <p:nvPr/>
-      </p:nvGrpSpPr>
-      <p:grpSpPr>
-        <a:xfrm>
-          <a:off x="0" y="0"/>
-          <a:ext cx="0" cy="0"/>
-          <a:chOff x="0" y="0"/>
-          <a:chExt cx="0" cy="0"/>
-        </a:xfrm>
-      </p:grpSpPr>
-      <p:sp>
-        <p:nvSpPr>
-          <p:cNvPr id="2" name="제목 1"/>
-          <p:cNvSpPr>
-            <a:spLocks noGrp="1"/>
-          </p:cNvSpPr>
-          <p:nvPr>
-            <p:ph type="title"/>
-          </p:nvPr>
-        </p:nvSpPr>
-        <p:spPr/>
-        <p:txBody>
-          <a:bodyPr/>
-          <a:lstStyle/>
-          <a:p>
-            <a:r>
-              <a:rPr lang="ko-KR" altLang="en-US" b="0" dirty="0"/>
-              <a:t>메모리 사용 상태 표시</a:t>
-            </a:r>
-            <a:endParaRPr lang="ko-KR" altLang="en-US" dirty="0"/>
-          </a:p>
-        </p:txBody>
-      </p:sp>
-      <p:sp>
-        <p:nvSpPr>
-          <p:cNvPr id="3" name="내용 개체 틀 2"/>
-          <p:cNvSpPr>
-            <a:spLocks noGrp="1"/>
-          </p:cNvSpPr>
-          <p:nvPr>
-            <p:ph sz="half" idx="1"/>
-          </p:nvPr>
-        </p:nvSpPr>
-        <p:spPr/>
-        <p:txBody>
-          <a:bodyPr/>
-          <a:lstStyle/>
-          <a:p>
-            <a:r>
-              <a:rPr lang="en-US" altLang="ko-KR" dirty="0"/>
-              <a:t>Windows &gt; Preferences &gt; General &gt; Show Heap Status</a:t>
-            </a:r>
-            <a:endParaRPr lang="ko-KR" altLang="en-US" dirty="0"/>
-          </a:p>
-        </p:txBody>
-      </p:sp>
-      <p:pic>
-        <p:nvPicPr>
-          <p:cNvPr id="5" name="내용 개체 틀 4"/>
-          <p:cNvPicPr>
-            <a:picLocks noGrp="1" noChangeAspect="1"/>
-          </p:cNvPicPr>
-          <p:nvPr>
-            <p:ph sz="half" idx="2"/>
-          </p:nvPr>
-        </p:nvPicPr>
-        <p:blipFill>
-          <a:blip r:embed="rId2"/>
-          <a:stretch>
-            <a:fillRect/>
-          </a:stretch>
-        </p:blipFill>
-        <p:spPr>
-          <a:xfrm>
-            <a:off x="6172200" y="1050419"/>
-            <a:ext cx="5181600" cy="5015925"/>
-          </a:xfrm>
-          <a:prstGeom prst="rect">
-            <a:avLst/>
-          </a:prstGeom>
-        </p:spPr>
-      </p:pic>
-      <p:sp>
-        <p:nvSpPr>
-          <p:cNvPr id="6" name="직사각형 5"/>
-          <p:cNvSpPr/>
-          <p:nvPr/>
-        </p:nvSpPr>
-        <p:spPr>
-          <a:xfrm>
-            <a:off x="7235375" y="1696719"/>
-            <a:ext cx="1088540" cy="162561"/>
-          </a:xfrm>
-          <a:prstGeom prst="rect">
-            <a:avLst/>
-          </a:prstGeom>
-          <a:noFill/>
-          <a:ln w="38100">
-            <a:solidFill>
-              <a:srgbClr val="FF0000"/>
-            </a:solidFill>
-          </a:ln>
-        </p:spPr>
-        <p:style>
-          <a:lnRef idx="2">
-            <a:schemeClr val="accent1">
-              <a:shade val="50000"/>
-            </a:schemeClr>
-          </a:lnRef>
-          <a:fillRef idx="1">
-            <a:schemeClr val="accent1"/>
-          </a:fillRef>
-          <a:effectRef idx="0">
-            <a:schemeClr val="accent1"/>
-          </a:effectRef>
-          <a:fontRef idx="minor">
-            <a:schemeClr val="lt1"/>
-          </a:fontRef>
-        </p:style>
-        <p:txBody>
-          <a:bodyPr rot="0" spcFirstLastPara="0" vertOverflow="overflow" horzOverflow="overflow" vert="horz" wrap="square" lIns="91440" tIns="45720" rIns="91440" bIns="45720" numCol="1" spcCol="0" rtlCol="0" fromWordArt="0" anchor="ctr" anchorCtr="0" forceAA="0" compatLnSpc="1">
-            <a:prstTxWarp prst="textNoShape">
-              <a:avLst/>
-            </a:prstTxWarp>
-            <a:noAutofit/>
-          </a:bodyPr>
-          <a:lstStyle/>
-          <a:p>
-            <a:pPr algn="ctr"/>
-            <a:endParaRPr lang="ko-KR" altLang="en-US"/>
-          </a:p>
-        </p:txBody>
-      </p:sp>
-      <p:sp>
-        <p:nvSpPr>
-          <p:cNvPr id="7" name="직사각형 6"/>
-          <p:cNvSpPr/>
-          <p:nvPr/>
-        </p:nvSpPr>
-        <p:spPr>
-          <a:xfrm>
-            <a:off x="10765765" y="5406077"/>
-            <a:ext cx="588035" cy="209719"/>
-          </a:xfrm>
-          <a:prstGeom prst="rect">
-            <a:avLst/>
-          </a:prstGeom>
-          <a:noFill/>
-          <a:ln w="38100">
-            <a:solidFill>
-              <a:srgbClr val="FF0000"/>
-            </a:solidFill>
-          </a:ln>
-        </p:spPr>
-        <p:style>
-          <a:lnRef idx="2">
-            <a:schemeClr val="accent1">
-              <a:shade val="50000"/>
-            </a:schemeClr>
-          </a:lnRef>
-          <a:fillRef idx="1">
-            <a:schemeClr val="accent1"/>
-          </a:fillRef>
-          <a:effectRef idx="0">
-            <a:schemeClr val="accent1"/>
-          </a:effectRef>
-          <a:fontRef idx="minor">
-            <a:schemeClr val="lt1"/>
-          </a:fontRef>
-        </p:style>
-        <p:txBody>
-          <a:bodyPr rot="0" spcFirstLastPara="0" vertOverflow="overflow" horzOverflow="overflow" vert="horz" wrap="square" lIns="91440" tIns="45720" rIns="91440" bIns="45720" numCol="1" spcCol="0" rtlCol="0" fromWordArt="0" anchor="ctr" anchorCtr="0" forceAA="0" compatLnSpc="1">
-            <a:prstTxWarp prst="textNoShape">
-              <a:avLst/>
-            </a:prstTxWarp>
-            <a:noAutofit/>
-          </a:bodyPr>
-          <a:lstStyle/>
-          <a:p>
-            <a:pPr algn="ctr"/>
-            <a:endParaRPr lang="ko-KR" altLang="en-US"/>
-          </a:p>
-        </p:txBody>
-      </p:sp>
-      <p:sp>
-        <p:nvSpPr>
-          <p:cNvPr id="8" name="직사각형 7"/>
-          <p:cNvSpPr/>
-          <p:nvPr/>
-        </p:nvSpPr>
-        <p:spPr>
-          <a:xfrm>
-            <a:off x="10471747" y="5856625"/>
-            <a:ext cx="916978" cy="209719"/>
-          </a:xfrm>
-          <a:prstGeom prst="rect">
-            <a:avLst/>
-          </a:prstGeom>
-          <a:noFill/>
-          <a:ln w="38100">
-            <a:solidFill>
-              <a:srgbClr val="FF0000"/>
-            </a:solidFill>
-          </a:ln>
-        </p:spPr>
-        <p:style>
-          <a:lnRef idx="2">
-            <a:schemeClr val="accent1">
-              <a:shade val="50000"/>
-            </a:schemeClr>
-          </a:lnRef>
-          <a:fillRef idx="1">
-            <a:schemeClr val="accent1"/>
-          </a:fillRef>
-          <a:effectRef idx="0">
-            <a:schemeClr val="accent1"/>
-          </a:effectRef>
-          <a:fontRef idx="minor">
-            <a:schemeClr val="lt1"/>
-          </a:fontRef>
-        </p:style>
-        <p:txBody>
-          <a:bodyPr rot="0" spcFirstLastPara="0" vertOverflow="overflow" horzOverflow="overflow" vert="horz" wrap="square" lIns="91440" tIns="45720" rIns="91440" bIns="45720" numCol="1" spcCol="0" rtlCol="0" fromWordArt="0" anchor="ctr" anchorCtr="0" forceAA="0" compatLnSpc="1">
-            <a:prstTxWarp prst="textNoShape">
-              <a:avLst/>
-            </a:prstTxWarp>
-            <a:noAutofit/>
-          </a:bodyPr>
-          <a:lstStyle/>
-          <a:p>
-            <a:pPr algn="ctr"/>
-            <a:endParaRPr lang="ko-KR" altLang="en-US"/>
-          </a:p>
-        </p:txBody>
-      </p:sp>
-      <p:cxnSp>
-        <p:nvCxnSpPr>
-          <p:cNvPr id="10" name="직선 화살표 연결선 9"/>
-          <p:cNvCxnSpPr>
-            <a:stCxn id="6" idx="2"/>
-            <a:endCxn id="7" idx="0"/>
-          </p:cNvCxnSpPr>
-          <p:nvPr/>
-        </p:nvCxnSpPr>
-        <p:spPr>
-          <a:xfrm>
-            <a:off x="7779645" y="1859280"/>
-            <a:ext cx="3280138" cy="3546797"/>
-          </a:xfrm>
-          <a:prstGeom prst="straightConnector1">
-            <a:avLst/>
-          </a:prstGeom>
-          <a:ln>
-            <a:tailEnd type="triangle"/>
-          </a:ln>
-        </p:spPr>
-        <p:style>
-          <a:lnRef idx="1">
-            <a:schemeClr val="accent1"/>
-          </a:lnRef>
-          <a:fillRef idx="0">
-            <a:schemeClr val="accent1"/>
-          </a:fillRef>
-          <a:effectRef idx="0">
-            <a:schemeClr val="accent1"/>
-          </a:effectRef>
-          <a:fontRef idx="minor">
-            <a:schemeClr val="tx1"/>
-          </a:fontRef>
-        </p:style>
-      </p:cxnSp>
-      <p:cxnSp>
-        <p:nvCxnSpPr>
-          <p:cNvPr id="11" name="직선 화살표 연결선 10"/>
-          <p:cNvCxnSpPr>
-            <a:stCxn id="7" idx="2"/>
-          </p:cNvCxnSpPr>
-          <p:nvPr/>
-        </p:nvCxnSpPr>
-        <p:spPr>
-          <a:xfrm flipH="1">
-            <a:off x="10938294" y="5615796"/>
-            <a:ext cx="121489" cy="240829"/>
-          </a:xfrm>
-          <a:prstGeom prst="straightConnector1">
-            <a:avLst/>
-          </a:prstGeom>
-          <a:ln>
-            <a:tailEnd type="triangle"/>
-          </a:ln>
-        </p:spPr>
-        <p:style>
-          <a:lnRef idx="1">
-            <a:schemeClr val="accent1"/>
-          </a:lnRef>
-          <a:fillRef idx="0">
-            <a:schemeClr val="accent1"/>
-          </a:fillRef>
-          <a:effectRef idx="0">
-            <a:schemeClr val="accent1"/>
-          </a:effectRef>
-          <a:fontRef idx="minor">
-            <a:schemeClr val="tx1"/>
-          </a:fontRef>
-        </p:style>
-      </p:cxnSp>
-    </p:spTree>
-    <p:extLst>
-      <p:ext uri="{BB962C8B-B14F-4D97-AF65-F5344CB8AC3E}">
-        <p14:creationId xmlns:p14="http://schemas.microsoft.com/office/powerpoint/2010/main" val="3573121288"/>
-      </p:ext>
-    </p:extLst>
-  </p:cSld>
-  <p:clrMapOvr>
-    <a:masterClrMapping/>
-  </p:clrMapOvr>
-</p:sld>
-</file>
-
 <file path=ppt/slides/slide16.xml><?xml version="1.0" encoding="utf-8"?>
 <p:sld xmlns:a="http://schemas.openxmlformats.org/drawingml/2006/main" xmlns:r="http://schemas.openxmlformats.org/officeDocument/2006/relationships" xmlns:p="http://schemas.openxmlformats.org/presentationml/2006/main">
   <p:cSld>
@@ -5655,7 +6047,15 @@
           <a:bodyPr/>
           <a:lstStyle/>
           <a:p>
-            <a:endParaRPr lang="ko-KR" altLang="en-US"/>
+            <a:r>
+              <a:rPr lang="en-US" altLang="ko-KR" dirty="0" smtClean="0"/>
+              <a:t>Lombok </a:t>
+            </a:r>
+            <a:r>
+              <a:rPr lang="ko-KR" altLang="en-US" dirty="0" smtClean="0"/>
+              <a:t>라이브러리 설치</a:t>
+            </a:r>
+            <a:endParaRPr lang="ko-KR" altLang="en-US" dirty="0"/>
           </a:p>
         </p:txBody>
       </p:sp>
@@ -5674,29 +6074,178 @@
           <a:bodyPr/>
           <a:lstStyle/>
           <a:p>
-            <a:endParaRPr lang="ko-KR" altLang="en-US"/>
-          </a:p>
-        </p:txBody>
-      </p:sp>
-      <p:sp>
-        <p:nvSpPr>
-          <p:cNvPr id="4" name="내용 개체 틀 3"/>
-          <p:cNvSpPr>
-            <a:spLocks noGrp="1"/>
-          </p:cNvSpPr>
+            <a:r>
+              <a:rPr lang="en-US" altLang="ko-KR" dirty="0" smtClean="0"/>
+              <a:t>Lombok </a:t>
+            </a:r>
+            <a:r>
+              <a:rPr lang="ko-KR" altLang="en-US" dirty="0"/>
+              <a:t>사이트 접속 </a:t>
+            </a:r>
+            <a:r>
+              <a:rPr lang="en-US" altLang="ko-KR" dirty="0"/>
+              <a:t>click here</a:t>
+            </a:r>
+          </a:p>
+          <a:p>
+            <a:pPr lvl="1"/>
+            <a:r>
+              <a:rPr lang="ko-KR" altLang="en-US" dirty="0" smtClean="0"/>
+              <a:t>최신 </a:t>
+            </a:r>
+            <a:r>
+              <a:rPr lang="ko-KR" altLang="en-US" dirty="0"/>
+              <a:t>버전 </a:t>
+            </a:r>
+            <a:r>
+              <a:rPr lang="en-US" altLang="ko-KR" dirty="0" smtClean="0"/>
+              <a:t>Download</a:t>
+            </a:r>
+          </a:p>
+          <a:p>
+            <a:r>
+              <a:rPr lang="en-US" altLang="ko-KR" dirty="0" err="1" smtClean="0"/>
+              <a:t>LomBok</a:t>
+            </a:r>
+            <a:r>
+              <a:rPr lang="en-US" altLang="ko-KR" dirty="0" smtClean="0"/>
+              <a:t> </a:t>
+            </a:r>
+            <a:r>
+              <a:rPr lang="ko-KR" altLang="en-US" dirty="0" smtClean="0"/>
+              <a:t>설치</a:t>
+            </a:r>
+            <a:endParaRPr lang="en-US" altLang="ko-KR" dirty="0"/>
+          </a:p>
+          <a:p>
+            <a:pPr lvl="1"/>
+            <a:r>
+              <a:rPr lang="en-US" altLang="ko-KR" dirty="0" smtClean="0"/>
+              <a:t>java </a:t>
+            </a:r>
+            <a:r>
+              <a:rPr lang="en-US" altLang="ko-KR" dirty="0"/>
+              <a:t>-jar lombok.jar</a:t>
+            </a:r>
+          </a:p>
+          <a:p>
+            <a:pPr lvl="1"/>
+            <a:r>
+              <a:rPr lang="ko-KR" altLang="en-US" dirty="0" err="1" smtClean="0"/>
+              <a:t>버튼클릭</a:t>
+            </a:r>
+            <a:r>
+              <a:rPr lang="en-US" altLang="ko-KR" dirty="0"/>
+              <a:t>(Specify location..)</a:t>
+            </a:r>
+            <a:r>
+              <a:rPr lang="ko-KR" altLang="en-US" dirty="0"/>
+              <a:t>후 설치된 </a:t>
+            </a:r>
+            <a:r>
+              <a:rPr lang="en-US" altLang="ko-KR" dirty="0"/>
+              <a:t>STS.exe </a:t>
+            </a:r>
+            <a:r>
+              <a:rPr lang="ko-KR" altLang="en-US" dirty="0"/>
+              <a:t>선택 </a:t>
+            </a:r>
+            <a:r>
+              <a:rPr lang="en-US" altLang="ko-KR" dirty="0"/>
+              <a:t>Install/Update</a:t>
+            </a:r>
+            <a:r>
+              <a:rPr lang="ko-KR" altLang="en-US" dirty="0" smtClean="0"/>
+              <a:t>클릭</a:t>
+            </a:r>
+            <a:endParaRPr lang="ko-KR" altLang="en-US" dirty="0"/>
+          </a:p>
+        </p:txBody>
+      </p:sp>
+      <p:pic>
+        <p:nvPicPr>
+          <p:cNvPr id="8" name="Picture 4" descr="https://user-images.githubusercontent.com/108439363/223317991-9496a5ff-71b8-4974-8465-1e99852e7d33.png"/>
+          <p:cNvPicPr>
+            <a:picLocks noChangeAspect="1" noChangeArrowheads="1"/>
+          </p:cNvPicPr>
+          <p:nvPr/>
+        </p:nvPicPr>
+        <p:blipFill>
+          <a:blip r:embed="rId2">
+            <a:extLst>
+              <a:ext uri="{28A0092B-C50C-407E-A947-70E740481C1C}">
+                <a14:useLocalDpi xmlns:a14="http://schemas.microsoft.com/office/drawing/2010/main" val="0"/>
+              </a:ext>
+            </a:extLst>
+          </a:blip>
+          <a:srcRect/>
+          <a:stretch>
+            <a:fillRect/>
+          </a:stretch>
+        </p:blipFill>
+        <p:spPr bwMode="auto">
+          <a:xfrm>
+            <a:off x="990600" y="2748673"/>
+            <a:ext cx="5181600" cy="3016897"/>
+          </a:xfrm>
+          <a:prstGeom prst="rect">
+            <a:avLst/>
+          </a:prstGeom>
+          <a:noFill/>
+          <a:extLst>
+            <a:ext uri="{909E8E84-426E-40DD-AFC4-6F175D3DCCD1}">
+              <a14:hiddenFill xmlns:a14="http://schemas.microsoft.com/office/drawing/2010/main">
+                <a:solidFill>
+                  <a:srgbClr val="FFFFFF"/>
+                </a:solidFill>
+              </a14:hiddenFill>
+            </a:ext>
+          </a:extLst>
+        </p:spPr>
+      </p:pic>
+      <p:pic>
+        <p:nvPicPr>
+          <p:cNvPr id="1030" name="Picture 6" descr="https://user-images.githubusercontent.com/108439363/223318362-ac5e2551-9984-4007-bdd1-ab8c1452f6e5.png"/>
+          <p:cNvPicPr>
+            <a:picLocks noGrp="1" noChangeAspect="1" noChangeArrowheads="1"/>
+          </p:cNvPicPr>
           <p:nvPr>
             <p:ph sz="half" idx="2"/>
           </p:nvPr>
-        </p:nvSpPr>
-        <p:spPr/>
-        <p:txBody>
-          <a:bodyPr/>
-          <a:lstStyle/>
-          <a:p>
-            <a:endParaRPr lang="ko-KR" altLang="en-US"/>
-          </a:p>
-        </p:txBody>
-      </p:sp>
+        </p:nvPicPr>
+        <p:blipFill>
+          <a:blip r:embed="rId3">
+            <a:extLst>
+              <a:ext uri="{28A0092B-C50C-407E-A947-70E740481C1C}">
+                <a14:useLocalDpi xmlns:a14="http://schemas.microsoft.com/office/drawing/2010/main" val="0"/>
+              </a:ext>
+            </a:extLst>
+          </a:blip>
+          <a:srcRect/>
+          <a:stretch>
+            <a:fillRect/>
+          </a:stretch>
+        </p:blipFill>
+        <p:spPr bwMode="auto">
+          <a:xfrm>
+            <a:off x="6172200" y="2051233"/>
+            <a:ext cx="5181600" cy="3014296"/>
+          </a:xfrm>
+          <a:prstGeom prst="rect">
+            <a:avLst/>
+          </a:prstGeom>
+          <a:noFill/>
+          <a:extLst>
+            <a:ext uri="{909E8E84-426E-40DD-AFC4-6F175D3DCCD1}">
+              <a14:hiddenFill xmlns:a14="http://schemas.microsoft.com/office/drawing/2010/main">
+                <a:solidFill>
+                  <a:srgbClr val="FFFFFF"/>
+                </a:solidFill>
+              </a14:hiddenFill>
+            </a:ext>
+          </a:extLst>
+        </p:spPr>
+      </p:pic>
     </p:spTree>
     <p:extLst>
       <p:ext uri="{BB962C8B-B14F-4D97-AF65-F5344CB8AC3E}">
@@ -5815,13 +6364,13 @@
           <a:p>
             <a:pPr lvl="1"/>
             <a:r>
-              <a:rPr lang="ko-KR" altLang="en-US" dirty="0" smtClean="0"/>
-              <a:t>메모리 상태 표시</a:t>
-            </a:r>
-            <a:endParaRPr lang="en-US" altLang="ko-KR" dirty="0" smtClean="0"/>
-          </a:p>
-          <a:p>
-            <a:pPr lvl="1"/>
+              <a:rPr lang="en-US" altLang="ko-KR" dirty="0"/>
+              <a:t>Lombok </a:t>
+            </a:r>
+            <a:r>
+              <a:rPr lang="ko-KR" altLang="en-US" dirty="0"/>
+              <a:t>라이브러리 설치</a:t>
+            </a:r>
             <a:endParaRPr lang="en-US" altLang="ko-KR" dirty="0" smtClean="0"/>
           </a:p>
           <a:p>
